--- a/img/stream.pptx
+++ b/img/stream.pptx
@@ -151,7 +151,7 @@
       </p14:sectionLst>
     </p:ext>
     <p:ext uri="{EFAFB233-063F-42B5-8137-9DF3F51BA10A}">
-      <p15:sldGuideLst xmlns="" xmlns:p15="http://schemas.microsoft.com/office/powerpoint/2012/main">
+      <p15:sldGuideLst xmlns:p15="http://schemas.microsoft.com/office/powerpoint/2012/main" xmlns="">
         <p15:guide id="1" orient="horz" pos="2160">
           <p15:clr>
             <a:srgbClr val="A4A3A4"/>
@@ -165,7 +165,7 @@
       </p15:sldGuideLst>
     </p:ext>
     <p:ext uri="{2D200454-40CA-4A62-9FC3-DE9A4176ACB9}">
-      <p15:notesGuideLst xmlns="" xmlns:p15="http://schemas.microsoft.com/office/powerpoint/2012/main">
+      <p15:notesGuideLst xmlns:p15="http://schemas.microsoft.com/office/powerpoint/2012/main" xmlns="">
         <p15:guide id="1" orient="horz" pos="3223">
           <p15:clr>
             <a:srgbClr val="A4A3A4"/>
@@ -1959,7 +1959,7 @@
             </p:nvSpPr>
             <p:spPr>
               <a:xfrm>
-                <a:off x="1003306" y="1443608"/>
+                <a:off x="931298" y="1443608"/>
                 <a:ext cx="274582" cy="212794"/>
               </a:xfrm>
               <a:prstGeom prst="rect">
@@ -2015,7 +2015,7 @@
             </p:nvSpPr>
             <p:spPr>
               <a:xfrm>
-                <a:off x="1003306" y="1443608"/>
+                <a:off x="931298" y="1443608"/>
                 <a:ext cx="274582" cy="212794"/>
               </a:xfrm>
               <a:prstGeom prst="rect">
@@ -2055,7 +2055,7 @@
         </p:nvSpPr>
         <p:spPr>
           <a:xfrm>
-            <a:off x="342506" y="1227584"/>
+            <a:off x="270498" y="1227584"/>
             <a:ext cx="1655464" cy="216024"/>
           </a:xfrm>
           <a:prstGeom prst="rect">
@@ -2164,7 +2164,7 @@
         </p:nvSpPr>
         <p:spPr>
           <a:xfrm>
-            <a:off x="608335" y="992768"/>
+            <a:off x="536327" y="992768"/>
             <a:ext cx="901355" cy="205100"/>
           </a:xfrm>
           <a:prstGeom prst="rect">
@@ -2182,7 +2182,6 @@
           </a:bodyPr>
           <a:lstStyle/>
           <a:p>
-            <a:pPr/>
             <a:r>
               <a:rPr lang="en-US" altLang="ja-JP" sz="1050" smtClean="0">
                 <a:latin typeface="HG丸ｺﾞｼｯｸM-PRO" panose="020F0600000000000000" pitchFamily="50" charset="-128"/>
@@ -2215,7 +2214,74 @@
         </p:nvSpPr>
         <p:spPr>
           <a:xfrm>
-            <a:off x="342506" y="1701924"/>
+            <a:off x="269776" y="1701924"/>
+            <a:ext cx="1655464" cy="216024"/>
+          </a:xfrm>
+          <a:prstGeom prst="rect">
+            <a:avLst/>
+          </a:prstGeom>
+          <a:solidFill>
+            <a:srgbClr val="000000">
+              <a:alpha val="14000"/>
+            </a:srgbClr>
+          </a:solidFill>
+          <a:ln w="6350">
+            <a:solidFill>
+              <a:srgbClr val="000000"/>
+            </a:solidFill>
+            <a:prstDash val="solid"/>
+          </a:ln>
+        </p:spPr>
+        <p:style>
+          <a:lnRef idx="2">
+            <a:schemeClr val="accent1">
+              <a:shade val="50000"/>
+            </a:schemeClr>
+          </a:lnRef>
+          <a:fillRef idx="1">
+            <a:schemeClr val="accent1"/>
+          </a:fillRef>
+          <a:effectRef idx="0">
+            <a:schemeClr val="accent1"/>
+          </a:effectRef>
+          <a:fontRef idx="minor">
+            <a:schemeClr val="lt1"/>
+          </a:fontRef>
+        </p:style>
+        <p:txBody>
+          <a:bodyPr rtlCol="0" anchor="ctr"/>
+          <a:lstStyle/>
+          <a:p>
+            <a:pPr algn="ctr"/>
+            <a:r>
+              <a:rPr lang="ja-JP" altLang="en-US" sz="1050" smtClean="0">
+                <a:solidFill>
+                  <a:srgbClr val="000000"/>
+                </a:solidFill>
+                <a:latin typeface="HG丸ｺﾞｼｯｸM-PRO" panose="020F0600000000000000" pitchFamily="50" charset="-128"/>
+                <a:ea typeface="HG丸ｺﾞｼｯｸM-PRO" panose="020F0600000000000000" pitchFamily="50" charset="-128"/>
+              </a:rPr>
+              <a:t>乱数</a:t>
+            </a:r>
+            <a:endParaRPr kumimoji="1" lang="ja-JP" altLang="en-US" sz="1050">
+              <a:solidFill>
+                <a:srgbClr val="000000"/>
+              </a:solidFill>
+              <a:latin typeface="HG丸ｺﾞｼｯｸM-PRO" panose="020F0600000000000000" pitchFamily="50" charset="-128"/>
+              <a:ea typeface="HG丸ｺﾞｼｯｸM-PRO" panose="020F0600000000000000" pitchFamily="50" charset="-128"/>
+            </a:endParaRPr>
+          </a:p>
+        </p:txBody>
+      </p:sp>
+      <p:sp>
+        <p:nvSpPr>
+          <p:cNvPr id="100" name="正方形/長方形 99"/>
+          <p:cNvSpPr/>
+          <p:nvPr/>
+        </p:nvSpPr>
+        <p:spPr>
+          <a:xfrm>
+            <a:off x="270498" y="2133972"/>
             <a:ext cx="1655464" cy="216024"/>
           </a:xfrm>
           <a:prstGeom prst="rect">
@@ -2258,69 +2324,6 @@
                 <a:latin typeface="HG丸ｺﾞｼｯｸM-PRO" panose="020F0600000000000000" pitchFamily="50" charset="-128"/>
                 <a:ea typeface="HG丸ｺﾞｼｯｸM-PRO" panose="020F0600000000000000" pitchFamily="50" charset="-128"/>
               </a:rPr>
-              <a:t>乱数</a:t>
-            </a:r>
-            <a:endParaRPr kumimoji="1" lang="ja-JP" altLang="en-US" sz="1050">
-              <a:solidFill>
-                <a:srgbClr val="000000"/>
-              </a:solidFill>
-              <a:latin typeface="HG丸ｺﾞｼｯｸM-PRO" panose="020F0600000000000000" pitchFamily="50" charset="-128"/>
-              <a:ea typeface="HG丸ｺﾞｼｯｸM-PRO" panose="020F0600000000000000" pitchFamily="50" charset="-128"/>
-            </a:endParaRPr>
-          </a:p>
-        </p:txBody>
-      </p:sp>
-      <p:sp>
-        <p:nvSpPr>
-          <p:cNvPr id="100" name="正方形/長方形 99"/>
-          <p:cNvSpPr/>
-          <p:nvPr/>
-        </p:nvSpPr>
-        <p:spPr>
-          <a:xfrm>
-            <a:off x="342506" y="2133972"/>
-            <a:ext cx="1655464" cy="216024"/>
-          </a:xfrm>
-          <a:prstGeom prst="rect">
-            <a:avLst/>
-          </a:prstGeom>
-          <a:noFill/>
-          <a:ln w="6350">
-            <a:solidFill>
-              <a:srgbClr val="000000"/>
-            </a:solidFill>
-            <a:prstDash val="solid"/>
-          </a:ln>
-        </p:spPr>
-        <p:style>
-          <a:lnRef idx="2">
-            <a:schemeClr val="accent1">
-              <a:shade val="50000"/>
-            </a:schemeClr>
-          </a:lnRef>
-          <a:fillRef idx="1">
-            <a:schemeClr val="accent1"/>
-          </a:fillRef>
-          <a:effectRef idx="0">
-            <a:schemeClr val="accent1"/>
-          </a:effectRef>
-          <a:fontRef idx="minor">
-            <a:schemeClr val="lt1"/>
-          </a:fontRef>
-        </p:style>
-        <p:txBody>
-          <a:bodyPr rtlCol="0" anchor="ctr"/>
-          <a:lstStyle/>
-          <a:p>
-            <a:pPr algn="ctr"/>
-            <a:r>
-              <a:rPr lang="ja-JP" altLang="en-US" sz="1050" smtClean="0">
-                <a:solidFill>
-                  <a:srgbClr val="000000"/>
-                </a:solidFill>
-                <a:latin typeface="HG丸ｺﾞｼｯｸM-PRO" panose="020F0600000000000000" pitchFamily="50" charset="-128"/>
-                <a:ea typeface="HG丸ｺﾞｼｯｸM-PRO" panose="020F0600000000000000" pitchFamily="50" charset="-128"/>
-              </a:rPr>
               <a:t>暗号文</a:t>
             </a:r>
             <a:endParaRPr kumimoji="1" lang="ja-JP" altLang="en-US" sz="1050">
@@ -2359,7 +2362,6 @@
           </a:bodyPr>
           <a:lstStyle/>
           <a:p>
-            <a:pPr/>
             <a:r>
               <a:rPr lang="ja-JP" altLang="en-US" sz="1050" smtClean="0">
                 <a:latin typeface="HG丸ｺﾞｼｯｸM-PRO" panose="020F0600000000000000" pitchFamily="50" charset="-128"/>
@@ -2374,15 +2376,7 @@
                 <a:ea typeface="HG丸ｺﾞｼｯｸM-PRO" panose="020F0600000000000000" pitchFamily="50" charset="-128"/>
                 <a:cs typeface="Courier New" pitchFamily="49" charset="0"/>
               </a:rPr>
-              <a:t>必要の</a:t>
-            </a:r>
-            <a:r>
-              <a:rPr lang="ja-JP" altLang="en-US" sz="1050">
-                <a:latin typeface="HG丸ｺﾞｼｯｸM-PRO" panose="020F0600000000000000" pitchFamily="50" charset="-128"/>
-                <a:ea typeface="HG丸ｺﾞｼｯｸM-PRO" panose="020F0600000000000000" pitchFamily="50" charset="-128"/>
-                <a:cs typeface="Courier New" pitchFamily="49" charset="0"/>
-              </a:rPr>
-              <a:t>ある</a:t>
+              <a:t>必要のある</a:t>
             </a:r>
             <a:r>
               <a:rPr lang="ja-JP" altLang="en-US" sz="1050" smtClean="0">
@@ -2400,8 +2394,8 @@
           </a:p>
         </p:txBody>
       </p:sp>
-      <mc:AlternateContent xmlns:mc="http://schemas.openxmlformats.org/markup-compatibility/2006">
-        <mc:Choice xmlns:a14="http://schemas.microsoft.com/office/drawing/2010/main" Requires="a14">
+      <mc:AlternateContent xmlns:mc="http://schemas.openxmlformats.org/markup-compatibility/2006" xmlns:a14="http://schemas.microsoft.com/office/drawing/2010/main">
+        <mc:Choice Requires="a14">
           <p:sp>
             <p:nvSpPr>
               <p:cNvPr id="107" name="テキスト ボックス 106"/>
@@ -2455,7 +2449,7 @@
             </p:txBody>
           </p:sp>
         </mc:Choice>
-        <mc:Fallback>
+        <mc:Fallback xmlns="">
           <p:sp>
             <p:nvSpPr>
               <p:cNvPr id="107" name="テキスト ボックス 106"/>
@@ -2473,7 +2467,7 @@
                 <a:avLst/>
               </a:prstGeom>
               <a:blipFill rotWithShape="1">
-                <a:blip r:embed="rId2"/>
+                <a:blip r:embed="rId3"/>
                 <a:stretch>
                   <a:fillRect b="-8571"/>
                 </a:stretch>
@@ -2574,9 +2568,7 @@
       <p:cxnSp>
         <p:nvCxnSpPr>
           <p:cNvPr id="109" name="直線矢印コネクタ 108"/>
-          <p:cNvCxnSpPr>
-            <a:endCxn id="111" idx="0"/>
-          </p:cNvCxnSpPr>
+          <p:cNvCxnSpPr/>
           <p:nvPr/>
         </p:nvCxnSpPr>
         <p:spPr>
@@ -2635,7 +2627,6 @@
           </a:bodyPr>
           <a:lstStyle/>
           <a:p>
-            <a:pPr/>
             <a:r>
               <a:rPr lang="ja-JP" altLang="en-US" sz="1050" smtClean="0">
                 <a:latin typeface="HG丸ｺﾞｼｯｸM-PRO" panose="020F0600000000000000" pitchFamily="50" charset="-128"/>
@@ -2648,59 +2639,6 @@
               <a:latin typeface="HG丸ｺﾞｼｯｸM-PRO" panose="020F0600000000000000" pitchFamily="50" charset="-128"/>
               <a:ea typeface="HG丸ｺﾞｼｯｸM-PRO" panose="020F0600000000000000" pitchFamily="50" charset="-128"/>
               <a:cs typeface="Courier New" pitchFamily="49" charset="0"/>
-            </a:endParaRPr>
-          </a:p>
-        </p:txBody>
-      </p:sp>
-      <p:sp>
-        <p:nvSpPr>
-          <p:cNvPr id="111" name="正方形/長方形 110"/>
-          <p:cNvSpPr/>
-          <p:nvPr/>
-        </p:nvSpPr>
-        <p:spPr>
-          <a:xfrm>
-            <a:off x="2230940" y="1701924"/>
-            <a:ext cx="487106" cy="216024"/>
-          </a:xfrm>
-          <a:prstGeom prst="rect">
-            <a:avLst/>
-          </a:prstGeom>
-          <a:noFill/>
-          <a:ln w="6350">
-            <a:solidFill>
-              <a:srgbClr val="000000"/>
-            </a:solidFill>
-            <a:prstDash val="solid"/>
-          </a:ln>
-        </p:spPr>
-        <p:style>
-          <a:lnRef idx="2">
-            <a:schemeClr val="accent1">
-              <a:shade val="50000"/>
-            </a:schemeClr>
-          </a:lnRef>
-          <a:fillRef idx="1">
-            <a:schemeClr val="accent1"/>
-          </a:fillRef>
-          <a:effectRef idx="0">
-            <a:schemeClr val="accent1"/>
-          </a:effectRef>
-          <a:fontRef idx="minor">
-            <a:schemeClr val="lt1"/>
-          </a:fontRef>
-        </p:style>
-        <p:txBody>
-          <a:bodyPr rtlCol="0" anchor="ctr"/>
-          <a:lstStyle/>
-          <a:p>
-            <a:pPr algn="ctr"/>
-            <a:endParaRPr kumimoji="1" lang="ja-JP" altLang="en-US" sz="1050">
-              <a:solidFill>
-                <a:srgbClr val="000000"/>
-              </a:solidFill>
-              <a:latin typeface="HG丸ｺﾞｼｯｸM-PRO" panose="020F0600000000000000" pitchFamily="50" charset="-128"/>
-              <a:ea typeface="HG丸ｺﾞｼｯｸM-PRO" panose="020F0600000000000000" pitchFamily="50" charset="-128"/>
             </a:endParaRPr>
           </a:p>
         </p:txBody>
@@ -2841,49 +2779,6 @@
           </a:p>
         </p:txBody>
       </p:sp>
-      <p:sp>
-        <p:nvSpPr>
-          <p:cNvPr id="114" name="テキスト ボックス 113"/>
-          <p:cNvSpPr txBox="1"/>
-          <p:nvPr/>
-        </p:nvSpPr>
-        <p:spPr>
-          <a:xfrm>
-            <a:off x="2230940" y="1701004"/>
-            <a:ext cx="490986" cy="205100"/>
-          </a:xfrm>
-          <a:prstGeom prst="rect">
-            <a:avLst/>
-          </a:prstGeom>
-          <a:noFill/>
-          <a:ln w="19050" cap="rnd">
-            <a:noFill/>
-            <a:prstDash val="sysDash"/>
-          </a:ln>
-        </p:spPr>
-        <p:txBody>
-          <a:bodyPr wrap="none" lIns="43094" tIns="21548" rIns="43094" bIns="21548" rtlCol="0">
-            <a:spAutoFit/>
-          </a:bodyPr>
-          <a:lstStyle/>
-          <a:p>
-            <a:pPr/>
-            <a:r>
-              <a:rPr lang="ja-JP" altLang="en-US" sz="1050" smtClean="0">
-                <a:latin typeface="HG丸ｺﾞｼｯｸM-PRO" panose="020F0600000000000000" pitchFamily="50" charset="-128"/>
-                <a:ea typeface="HG丸ｺﾞｼｯｸM-PRO" panose="020F0600000000000000" pitchFamily="50" charset="-128"/>
-                <a:cs typeface="Courier New" pitchFamily="49" charset="0"/>
-              </a:rPr>
-              <a:t>初期値</a:t>
-            </a:r>
-            <a:endParaRPr lang="ja-JP" altLang="en-US" sz="1050">
-              <a:latin typeface="HG丸ｺﾞｼｯｸM-PRO" panose="020F0600000000000000" pitchFamily="50" charset="-128"/>
-              <a:ea typeface="HG丸ｺﾞｼｯｸM-PRO" panose="020F0600000000000000" pitchFamily="50" charset="-128"/>
-              <a:cs typeface="Courier New" pitchFamily="49" charset="0"/>
-            </a:endParaRPr>
-          </a:p>
-        </p:txBody>
-      </p:sp>
       <mc:AlternateContent xmlns:mc="http://schemas.openxmlformats.org/markup-compatibility/2006">
         <mc:Choice xmlns:a14="http://schemas.microsoft.com/office/drawing/2010/main" Requires="a14">
           <p:sp>
@@ -2894,7 +2789,7 @@
             </p:nvSpPr>
             <p:spPr>
               <a:xfrm rot="5400000">
-                <a:off x="1047963" y="1914970"/>
+                <a:off x="975955" y="1914970"/>
                 <a:ext cx="232903" cy="205100"/>
               </a:xfrm>
               <a:prstGeom prst="rect">
@@ -2950,14 +2845,14 @@
             </p:nvSpPr>
             <p:spPr>
               <a:xfrm rot="5400000">
-                <a:off x="1047963" y="1914970"/>
+                <a:off x="975955" y="1914970"/>
                 <a:ext cx="232903" cy="205100"/>
               </a:xfrm>
               <a:prstGeom prst="rect">
                 <a:avLst/>
               </a:prstGeom>
               <a:blipFill rotWithShape="1">
-                <a:blip r:embed="rId3"/>
+                <a:blip r:embed="rId4"/>
                 <a:stretch>
                   <a:fillRect/>
                 </a:stretch>
@@ -2982,8 +2877,8 @@
           </p:sp>
         </mc:Fallback>
       </mc:AlternateContent>
-      <mc:AlternateContent xmlns:mc="http://schemas.openxmlformats.org/markup-compatibility/2006">
-        <mc:Choice xmlns:a14="http://schemas.microsoft.com/office/drawing/2010/main" Requires="a14">
+      <mc:AlternateContent xmlns:mc="http://schemas.openxmlformats.org/markup-compatibility/2006" xmlns:a14="http://schemas.microsoft.com/office/drawing/2010/main">
+        <mc:Choice Requires="a14">
           <p:sp>
             <p:nvSpPr>
               <p:cNvPr id="116" name="テキスト ボックス 115"/>
@@ -3037,7 +2932,7 @@
             </p:txBody>
           </p:sp>
         </mc:Choice>
-        <mc:Fallback>
+        <mc:Fallback xmlns="">
           <p:sp>
             <p:nvSpPr>
               <p:cNvPr id="116" name="テキスト ボックス 115"/>
@@ -3055,7 +2950,7 @@
                 <a:avLst/>
               </a:prstGeom>
               <a:blipFill rotWithShape="1">
-                <a:blip r:embed="rId3"/>
+                <a:blip r:embed="rId5"/>
                 <a:stretch>
                   <a:fillRect/>
                 </a:stretch>
@@ -3080,6 +2975,73 @@
           </p:sp>
         </mc:Fallback>
       </mc:AlternateContent>
+      <p:sp>
+        <p:nvSpPr>
+          <p:cNvPr id="19" name="正方形/長方形 18"/>
+          <p:cNvSpPr/>
+          <p:nvPr/>
+        </p:nvSpPr>
+        <p:spPr>
+          <a:xfrm>
+            <a:off x="2069976" y="1699953"/>
+            <a:ext cx="650828" cy="216024"/>
+          </a:xfrm>
+          <a:prstGeom prst="rect">
+            <a:avLst/>
+          </a:prstGeom>
+          <a:solidFill>
+            <a:srgbClr val="000000">
+              <a:alpha val="14000"/>
+            </a:srgbClr>
+          </a:solidFill>
+          <a:ln w="6350">
+            <a:solidFill>
+              <a:srgbClr val="000000"/>
+            </a:solidFill>
+            <a:prstDash val="solid"/>
+          </a:ln>
+        </p:spPr>
+        <p:style>
+          <a:lnRef idx="2">
+            <a:schemeClr val="accent1">
+              <a:shade val="50000"/>
+            </a:schemeClr>
+          </a:lnRef>
+          <a:fillRef idx="1">
+            <a:schemeClr val="accent1"/>
+          </a:fillRef>
+          <a:effectRef idx="0">
+            <a:schemeClr val="accent1"/>
+          </a:effectRef>
+          <a:fontRef idx="minor">
+            <a:schemeClr val="lt1"/>
+          </a:fontRef>
+        </p:style>
+        <p:txBody>
+          <a:bodyPr rtlCol="0" anchor="ctr"/>
+          <a:lstStyle/>
+          <a:p>
+            <a:pPr algn="ctr"/>
+            <a:r>
+              <a:rPr lang="ja-JP" altLang="en-US" sz="1050" smtClean="0">
+                <a:solidFill>
+                  <a:srgbClr val="000000"/>
+                </a:solidFill>
+                <a:latin typeface="HG丸ｺﾞｼｯｸM-PRO" panose="020F0600000000000000" pitchFamily="50" charset="-128"/>
+                <a:ea typeface="HG丸ｺﾞｼｯｸM-PRO" panose="020F0600000000000000" pitchFamily="50" charset="-128"/>
+              </a:rPr>
+              <a:t>初期値</a:t>
+            </a:r>
+            <a:endParaRPr kumimoji="1" lang="ja-JP" altLang="en-US" sz="1050">
+              <a:solidFill>
+                <a:srgbClr val="000000"/>
+              </a:solidFill>
+              <a:latin typeface="HG丸ｺﾞｼｯｸM-PRO" panose="020F0600000000000000" pitchFamily="50" charset="-128"/>
+              <a:ea typeface="HG丸ｺﾞｼｯｸM-PRO" panose="020F0600000000000000" pitchFamily="50" charset="-128"/>
+            </a:endParaRPr>
+          </a:p>
+        </p:txBody>
+      </p:sp>
     </p:spTree>
     <p:extLst>
       <p:ext uri="{BB962C8B-B14F-4D97-AF65-F5344CB8AC3E}">
